--- a/Unit 7/functions.pptx
+++ b/Unit 7/functions.pptx
@@ -262,7 +262,7 @@
           <a:p>
             <a:fld id="{6A1B6C08-A0D3-D74B-9414-6FC7F6BF3615}" type="datetimeFigureOut">
               <a:rPr lang="en-US" smtClean="0"/>
-              <a:t>2/23/16</a:t>
+              <a:t>2/28/16</a:t>
             </a:fld>
             <a:endParaRPr lang="en-US"/>
           </a:p>
@@ -745,7 +745,7 @@
           <a:p>
             <a:fld id="{586CA0A1-9EE8-D947-A1AE-F0369F7FBD0D}" type="datetime1">
               <a:rPr lang="en-US" smtClean="0"/>
-              <a:t>2/23/16</a:t>
+              <a:t>2/28/16</a:t>
             </a:fld>
             <a:endParaRPr lang="en-US"/>
           </a:p>
@@ -919,7 +919,7 @@
           <a:p>
             <a:fld id="{80AD334C-BD37-FA4C-8E42-B5F2C547F21A}" type="datetime1">
               <a:rPr lang="en-US" smtClean="0"/>
-              <a:t>2/23/16</a:t>
+              <a:t>2/28/16</a:t>
             </a:fld>
             <a:endParaRPr lang="en-US"/>
           </a:p>
@@ -1103,7 +1103,7 @@
           <a:p>
             <a:fld id="{610530A4-50EA-E74F-B2A7-33E3E40F0CA2}" type="datetime1">
               <a:rPr lang="en-US" smtClean="0"/>
-              <a:t>2/23/16</a:t>
+              <a:t>2/28/16</a:t>
             </a:fld>
             <a:endParaRPr lang="en-US"/>
           </a:p>
@@ -1277,7 +1277,7 @@
           <a:p>
             <a:fld id="{E5BE7D36-82F8-D141-9C5E-D53A4D497145}" type="datetime1">
               <a:rPr lang="en-US" smtClean="0"/>
-              <a:t>2/23/16</a:t>
+              <a:t>2/28/16</a:t>
             </a:fld>
             <a:endParaRPr lang="en-US"/>
           </a:p>
@@ -1527,7 +1527,7 @@
           <a:p>
             <a:fld id="{767730B6-83E6-5749-85F8-DD91F5393B9D}" type="datetime1">
               <a:rPr lang="en-US" smtClean="0"/>
-              <a:t>2/23/16</a:t>
+              <a:t>2/28/16</a:t>
             </a:fld>
             <a:endParaRPr lang="en-US"/>
           </a:p>
@@ -1763,7 +1763,7 @@
           <a:p>
             <a:fld id="{756D51F4-7346-174A-BE2E-0D8F77BA6B63}" type="datetime1">
               <a:rPr lang="en-US" smtClean="0"/>
-              <a:t>2/23/16</a:t>
+              <a:t>2/28/16</a:t>
             </a:fld>
             <a:endParaRPr lang="en-US"/>
           </a:p>
@@ -2134,7 +2134,7 @@
           <a:p>
             <a:fld id="{0157896D-7122-AD44-9270-24E05AD3A1F2}" type="datetime1">
               <a:rPr lang="en-US" smtClean="0"/>
-              <a:t>2/23/16</a:t>
+              <a:t>2/28/16</a:t>
             </a:fld>
             <a:endParaRPr lang="en-US"/>
           </a:p>
@@ -2256,7 +2256,7 @@
           <a:p>
             <a:fld id="{A4285A25-C949-FC43-B87A-2DF92D8E25ED}" type="datetime1">
               <a:rPr lang="en-US" smtClean="0"/>
-              <a:t>2/23/16</a:t>
+              <a:t>2/28/16</a:t>
             </a:fld>
             <a:endParaRPr lang="en-US"/>
           </a:p>
@@ -2355,7 +2355,7 @@
           <a:p>
             <a:fld id="{82D66296-C513-CD47-94EB-72C87AFCE344}" type="datetime1">
               <a:rPr lang="en-US" smtClean="0"/>
-              <a:t>2/23/16</a:t>
+              <a:t>2/28/16</a:t>
             </a:fld>
             <a:endParaRPr lang="en-US"/>
           </a:p>
@@ -2636,7 +2636,7 @@
           <a:p>
             <a:fld id="{46C12CBD-222B-0A4D-81E1-2423A2D55605}" type="datetime1">
               <a:rPr lang="en-US" smtClean="0"/>
-              <a:t>2/23/16</a:t>
+              <a:t>2/28/16</a:t>
             </a:fld>
             <a:endParaRPr lang="en-US"/>
           </a:p>
@@ -2893,7 +2893,7 @@
           <a:p>
             <a:fld id="{3F685F27-7C40-1448-9E50-A80B02C672DB}" type="datetime1">
               <a:rPr lang="en-US" smtClean="0"/>
-              <a:t>2/23/16</a:t>
+              <a:t>2/28/16</a:t>
             </a:fld>
             <a:endParaRPr lang="en-US"/>
           </a:p>
@@ -3110,7 +3110,7 @@
           <a:p>
             <a:fld id="{D0B55D32-2DDA-BD4C-A2A1-2C315D465DB4}" type="datetime1">
               <a:rPr lang="en-US" smtClean="0"/>
-              <a:t>2/23/16</a:t>
+              <a:t>2/28/16</a:t>
             </a:fld>
             <a:endParaRPr lang="en-US"/>
           </a:p>
@@ -3702,7 +3702,7 @@
           <a:p>
             <a:fld id="{EDFD11C3-E0B5-5E49-9335-699C70F6366B}" type="datetime1">
               <a:rPr lang="en-US" smtClean="0"/>
-              <a:t>2/23/16</a:t>
+              <a:t>2/28/16</a:t>
             </a:fld>
             <a:endParaRPr lang="en-US"/>
           </a:p>
@@ -4114,7 +4114,7 @@
           <a:p>
             <a:fld id="{5C5ABFE9-BDF7-CD4B-9C78-5DDC6FA2D59C}" type="datetime1">
               <a:rPr lang="en-US" smtClean="0"/>
-              <a:t>2/23/16</a:t>
+              <a:t>2/28/16</a:t>
             </a:fld>
             <a:endParaRPr lang="en-US"/>
           </a:p>
@@ -4396,7 +4396,7 @@
           <a:p>
             <a:fld id="{4C987737-DF5D-C340-9644-5ACC15ACBCEF}" type="datetime1">
               <a:rPr lang="en-US" smtClean="0"/>
-              <a:t>2/23/16</a:t>
+              <a:t>2/28/16</a:t>
             </a:fld>
             <a:endParaRPr lang="en-US"/>
           </a:p>
@@ -4684,7 +4684,7 @@
           <a:p>
             <a:fld id="{3A137CA2-4145-E64B-9F15-996153396CE1}" type="datetime1">
               <a:rPr lang="en-US" smtClean="0"/>
-              <a:t>2/23/16</a:t>
+              <a:t>2/28/16</a:t>
             </a:fld>
             <a:endParaRPr lang="en-US"/>
           </a:p>
@@ -5168,7 +5168,7 @@
           <a:p>
             <a:fld id="{B678B90F-E0D2-0B49-A466-FB0D495A668A}" type="datetime1">
               <a:rPr lang="en-US" smtClean="0"/>
-              <a:t>2/23/16</a:t>
+              <a:t>2/28/16</a:t>
             </a:fld>
             <a:endParaRPr lang="en-US"/>
           </a:p>
@@ -5368,7 +5368,7 @@
           <a:p>
             <a:fld id="{1C9BFDEF-AADB-8E46-8379-4AD67287B169}" type="datetime1">
               <a:rPr lang="en-US" smtClean="0"/>
-              <a:t>2/23/16</a:t>
+              <a:t>2/28/16</a:t>
             </a:fld>
             <a:endParaRPr lang="en-US"/>
           </a:p>
@@ -5816,7 +5816,7 @@
           <a:p>
             <a:fld id="{B0B7ED78-C849-764B-B934-C0DE3FDDE3D0}" type="datetime1">
               <a:rPr lang="en-US" smtClean="0"/>
-              <a:t>2/23/16</a:t>
+              <a:t>2/28/16</a:t>
             </a:fld>
             <a:endParaRPr lang="en-US"/>
           </a:p>
@@ -6070,7 +6070,7 @@
           <a:p>
             <a:fld id="{59B5DF1A-82B9-8A41-A8A5-16F55196C81F}" type="datetime1">
               <a:rPr lang="en-US" smtClean="0"/>
-              <a:t>2/23/16</a:t>
+              <a:t>2/28/16</a:t>
             </a:fld>
             <a:endParaRPr lang="en-US"/>
           </a:p>
@@ -6543,7 +6543,7 @@
           <a:p>
             <a:fld id="{87326413-FC43-4342-8EBF-9F3F4303B08C}" type="datetime1">
               <a:rPr lang="en-US" smtClean="0"/>
-              <a:t>2/23/16</a:t>
+              <a:t>2/28/16</a:t>
             </a:fld>
             <a:endParaRPr lang="en-US"/>
           </a:p>
@@ -7873,7 +7873,7 @@
           <a:p>
             <a:fld id="{E756C86A-E113-034A-ADE4-131CA8725E1F}" type="datetime1">
               <a:rPr lang="en-US" smtClean="0"/>
-              <a:t>2/23/16</a:t>
+              <a:t>2/28/16</a:t>
             </a:fld>
             <a:endParaRPr lang="en-US"/>
           </a:p>
@@ -8106,7 +8106,7 @@
           <a:p>
             <a:fld id="{36E1E297-93EF-934C-AEA9-392476BDB436}" type="datetime1">
               <a:rPr lang="en-US" smtClean="0"/>
-              <a:t>2/23/16</a:t>
+              <a:t>2/28/16</a:t>
             </a:fld>
             <a:endParaRPr lang="en-US"/>
           </a:p>
@@ -8326,7 +8326,7 @@
           <a:p>
             <a:fld id="{6EABA4D9-180A-9D44-AF38-C08726C62FAA}" type="datetime1">
               <a:rPr lang="en-US" smtClean="0"/>
-              <a:t>2/23/16</a:t>
+              <a:t>2/28/16</a:t>
             </a:fld>
             <a:endParaRPr lang="en-US"/>
           </a:p>
@@ -8905,7 +8905,7 @@
           <a:p>
             <a:fld id="{7309ABD4-9F89-3349-86D5-1344B5AFD09B}" type="datetime1">
               <a:rPr lang="en-US" smtClean="0"/>
-              <a:t>2/23/16</a:t>
+              <a:t>2/28/16</a:t>
             </a:fld>
             <a:endParaRPr lang="en-US"/>
           </a:p>
@@ -9119,7 +9119,7 @@
           <a:p>
             <a:fld id="{A60C1DAF-0368-6147-A6A5-3D930D6D4C08}" type="datetime1">
               <a:rPr lang="en-US" smtClean="0"/>
-              <a:t>2/23/16</a:t>
+              <a:t>2/28/16</a:t>
             </a:fld>
             <a:endParaRPr lang="en-US"/>
           </a:p>
@@ -9310,7 +9310,7 @@
           <a:p>
             <a:fld id="{A5E32AF9-9A61-9A4B-AF1E-72F9EE989514}" type="datetime1">
               <a:rPr lang="en-US" smtClean="0"/>
-              <a:t>2/23/16</a:t>
+              <a:t>2/28/16</a:t>
             </a:fld>
             <a:endParaRPr lang="en-US"/>
           </a:p>
@@ -9588,7 +9588,7 @@
           <a:p>
             <a:fld id="{26C97172-8D6F-3F4C-B284-5526713D4EE8}" type="datetime1">
               <a:rPr lang="en-US" smtClean="0"/>
-              <a:t>2/23/16</a:t>
+              <a:t>2/28/16</a:t>
             </a:fld>
             <a:endParaRPr lang="en-US"/>
           </a:p>
@@ -10032,7 +10032,7 @@
           <a:p>
             <a:fld id="{0B6A82EF-8588-654C-92F2-E389432D2FC7}" type="datetime1">
               <a:rPr lang="en-US" smtClean="0"/>
-              <a:t>2/23/16</a:t>
+              <a:t>2/28/16</a:t>
             </a:fld>
             <a:endParaRPr lang="en-US"/>
           </a:p>
@@ -10275,7 +10275,7 @@
           <a:p>
             <a:fld id="{5F6246E2-0E7A-5D43-9674-74A35A026B4B}" type="datetime1">
               <a:rPr lang="en-US" smtClean="0"/>
-              <a:t>2/23/16</a:t>
+              <a:t>2/28/16</a:t>
             </a:fld>
             <a:endParaRPr lang="en-US"/>
           </a:p>
@@ -10651,7 +10651,7 @@
           <a:p>
             <a:fld id="{71635B62-BB4E-264C-ADD7-F603A8FEF742}" type="datetime1">
               <a:rPr lang="en-US" smtClean="0"/>
-              <a:t>2/23/16</a:t>
+              <a:t>2/28/16</a:t>
             </a:fld>
             <a:endParaRPr lang="en-US"/>
           </a:p>
@@ -10936,7 +10936,7 @@
           <a:p>
             <a:fld id="{38617AC1-0915-1045-9D0C-3A910C00EAB2}" type="datetime1">
               <a:rPr lang="en-US" smtClean="0"/>
-              <a:t>2/23/16</a:t>
+              <a:t>2/28/16</a:t>
             </a:fld>
             <a:endParaRPr lang="en-US"/>
           </a:p>
@@ -11335,7 +11335,7 @@
           <a:p>
             <a:fld id="{E8C20F76-6930-B149-8DC8-EA6684E0C953}" type="datetime1">
               <a:rPr lang="en-US" smtClean="0"/>
-              <a:t>2/23/16</a:t>
+              <a:t>2/28/16</a:t>
             </a:fld>
             <a:endParaRPr lang="en-US"/>
           </a:p>
@@ -11551,7 +11551,7 @@
           <a:p>
             <a:fld id="{08D77B32-0E24-8E48-AE48-B832AD4C4D12}" type="datetime1">
               <a:rPr lang="en-US" smtClean="0"/>
-              <a:t>2/23/16</a:t>
+              <a:t>2/28/16</a:t>
             </a:fld>
             <a:endParaRPr lang="en-US"/>
           </a:p>
@@ -11773,7 +11773,7 @@
           <a:p>
             <a:fld id="{A295B351-2DAF-1041-BA25-E10A91FEA518}" type="datetime1">
               <a:rPr lang="en-US" smtClean="0"/>
-              <a:t>2/23/16</a:t>
+              <a:t>2/28/16</a:t>
             </a:fld>
             <a:endParaRPr lang="en-US"/>
           </a:p>
@@ -12227,7 +12227,7 @@
           <a:p>
             <a:fld id="{AE1AAB7E-5AA2-684E-A340-BF29C5C10883}" type="datetime1">
               <a:rPr lang="en-US" smtClean="0"/>
-              <a:t>2/23/16</a:t>
+              <a:t>2/28/16</a:t>
             </a:fld>
             <a:endParaRPr lang="en-US"/>
           </a:p>
@@ -12605,7 +12605,7 @@
           <a:p>
             <a:fld id="{DDAAEAB1-7161-5945-BBC5-AA21DF7E643C}" type="datetime1">
               <a:rPr lang="en-US" smtClean="0"/>
-              <a:t>2/23/16</a:t>
+              <a:t>2/28/16</a:t>
             </a:fld>
             <a:endParaRPr lang="en-US"/>
           </a:p>
@@ -13207,7 +13207,7 @@
           <a:p>
             <a:fld id="{5CB0B422-E5EC-F94B-9931-C3C85F9C1788}" type="datetime1">
               <a:rPr lang="en-US" smtClean="0"/>
-              <a:t>2/23/16</a:t>
+              <a:t>2/28/16</a:t>
             </a:fld>
             <a:endParaRPr lang="en-US"/>
           </a:p>
@@ -13603,7 +13603,7 @@
           <a:p>
             <a:fld id="{6C305A56-9A9F-AB46-BB77-11A20A7CD593}" type="datetime1">
               <a:rPr lang="en-US" smtClean="0"/>
-              <a:t>2/23/16</a:t>
+              <a:t>2/28/16</a:t>
             </a:fld>
             <a:endParaRPr lang="en-US"/>
           </a:p>
@@ -13761,7 +13761,7 @@
           <a:p>
             <a:fld id="{D60F355B-B081-7348-9FD0-DB378FD709E6}" type="datetime1">
               <a:rPr lang="en-US" smtClean="0"/>
-              <a:t>2/23/16</a:t>
+              <a:t>2/28/16</a:t>
             </a:fld>
             <a:endParaRPr lang="en-US"/>
           </a:p>
@@ -13966,7 +13966,7 @@
           <a:p>
             <a:fld id="{FF7EFB7B-DE71-0E4B-91D4-1D8B25020B15}" type="datetime1">
               <a:rPr lang="en-US" smtClean="0"/>
-              <a:t>2/23/16</a:t>
+              <a:t>2/28/16</a:t>
             </a:fld>
             <a:endParaRPr lang="en-US"/>
           </a:p>
@@ -14594,7 +14594,7 @@
           <a:p>
             <a:fld id="{A69A44CC-060A-8B47-8348-F6604CCB702B}" type="datetime1">
               <a:rPr lang="en-US" smtClean="0"/>
-              <a:t>2/23/16</a:t>
+              <a:t>2/28/16</a:t>
             </a:fld>
             <a:endParaRPr lang="en-US"/>
           </a:p>
@@ -15233,7 +15233,7 @@
           <a:p>
             <a:fld id="{6E3CC671-DEB2-6448-ACC4-02752B02F9F4}" type="datetime1">
               <a:rPr lang="en-US" smtClean="0"/>
-              <a:t>2/23/16</a:t>
+              <a:t>2/28/16</a:t>
             </a:fld>
             <a:endParaRPr lang="en-US"/>
           </a:p>
@@ -15581,7 +15581,7 @@
           <a:p>
             <a:fld id="{F93107BF-51FD-7948-B7D9-FFF150E8A613}" type="datetime1">
               <a:rPr lang="en-US" smtClean="0"/>
-              <a:t>2/23/16</a:t>
+              <a:t>2/28/16</a:t>
             </a:fld>
             <a:endParaRPr lang="en-US"/>
           </a:p>
@@ -15928,7 +15928,7 @@
           <a:p>
             <a:fld id="{07FB0975-D4B7-414C-B76D-D57C40B29203}" type="datetime1">
               <a:rPr lang="en-US" smtClean="0"/>
-              <a:t>2/23/16</a:t>
+              <a:t>2/28/16</a:t>
             </a:fld>
             <a:endParaRPr lang="en-US"/>
           </a:p>
@@ -16223,7 +16223,7 @@
           <a:p>
             <a:fld id="{F169458A-D388-2C42-9174-70C22C2F891A}" type="datetime1">
               <a:rPr lang="en-US" smtClean="0"/>
-              <a:t>2/23/16</a:t>
+              <a:t>2/28/16</a:t>
             </a:fld>
             <a:endParaRPr lang="en-US"/>
           </a:p>
@@ -16642,7 +16642,7 @@
           <a:p>
             <a:fld id="{B09E83D7-4D89-4F46-83A2-EF07C036F40E}" type="datetime1">
               <a:rPr lang="en-US" smtClean="0"/>
-              <a:t>2/23/16</a:t>
+              <a:t>2/28/16</a:t>
             </a:fld>
             <a:endParaRPr lang="en-US"/>
           </a:p>
@@ -17311,7 +17311,7 @@
           <a:p>
             <a:fld id="{5ABD08DF-A439-1546-85EF-21342AA0E314}" type="datetime1">
               <a:rPr lang="en-US" smtClean="0"/>
-              <a:t>2/23/16</a:t>
+              <a:t>2/28/16</a:t>
             </a:fld>
             <a:endParaRPr lang="en-US"/>
           </a:p>
@@ -17592,7 +17592,7 @@
           <a:p>
             <a:fld id="{647A8111-2D77-A847-95E7-733A24299AD4}" type="datetime1">
               <a:rPr lang="en-US" smtClean="0"/>
-              <a:t>2/23/16</a:t>
+              <a:t>2/28/16</a:t>
             </a:fld>
             <a:endParaRPr lang="en-US"/>
           </a:p>
@@ -17837,7 +17837,7 @@
           <a:p>
             <a:fld id="{7E0D6EBF-F6E3-A346-B2B5-7250FFD6A694}" type="datetime1">
               <a:rPr lang="en-US" smtClean="0"/>
-              <a:t>2/23/16</a:t>
+              <a:t>2/28/16</a:t>
             </a:fld>
             <a:endParaRPr lang="en-US"/>
           </a:p>
@@ -18367,7 +18367,7 @@
           <a:p>
             <a:fld id="{6A79C9D5-7CB6-9846-BA8D-71551E1B1716}" type="datetime1">
               <a:rPr lang="en-US" smtClean="0"/>
-              <a:t>2/23/16</a:t>
+              <a:t>2/28/16</a:t>
             </a:fld>
             <a:endParaRPr lang="en-US"/>
           </a:p>
@@ -19401,7 +19401,7 @@
           <a:p>
             <a:fld id="{96FE1CBD-9B1B-2646-AF60-3105D7DC2EB7}" type="datetime1">
               <a:rPr lang="en-US" smtClean="0"/>
-              <a:t>2/23/16</a:t>
+              <a:t>2/28/16</a:t>
             </a:fld>
             <a:endParaRPr lang="en-US"/>
           </a:p>
@@ -20311,7 +20311,7 @@
           <a:p>
             <a:fld id="{6B359B3C-3C20-5647-A68F-72A866C288C0}" type="datetime1">
               <a:rPr lang="en-US" smtClean="0"/>
-              <a:t>2/23/16</a:t>
+              <a:t>2/28/16</a:t>
             </a:fld>
             <a:endParaRPr lang="en-US"/>
           </a:p>
@@ -21247,7 +21247,7 @@
           <a:p>
             <a:fld id="{97195011-E909-A845-8CD4-E1336996165F}" type="datetime1">
               <a:rPr lang="en-US" smtClean="0"/>
-              <a:t>2/23/16</a:t>
+              <a:t>2/28/16</a:t>
             </a:fld>
             <a:endParaRPr lang="en-US"/>
           </a:p>
@@ -21581,7 +21581,7 @@
           <a:p>
             <a:fld id="{83A0947A-7B6C-2147-A99C-8995A6872B13}" type="datetime1">
               <a:rPr lang="en-US" smtClean="0"/>
-              <a:t>2/23/16</a:t>
+              <a:t>2/28/16</a:t>
             </a:fld>
             <a:endParaRPr lang="en-US"/>
           </a:p>
@@ -21844,7 +21844,7 @@
           <a:p>
             <a:fld id="{3E96461C-B02A-5B45-8546-FE8173961B0E}" type="datetime1">
               <a:rPr lang="en-US" smtClean="0"/>
-              <a:t>2/23/16</a:t>
+              <a:t>2/28/16</a:t>
             </a:fld>
             <a:endParaRPr lang="en-US"/>
           </a:p>
@@ -22029,7 +22029,7 @@
           <a:p>
             <a:fld id="{963027DA-C090-5F44-974C-93D045ED57FE}" type="datetime1">
               <a:rPr lang="en-US" smtClean="0"/>
-              <a:t>2/23/16</a:t>
+              <a:t>2/28/16</a:t>
             </a:fld>
             <a:endParaRPr lang="en-US"/>
           </a:p>
@@ -22270,7 +22270,7 @@
           <a:p>
             <a:fld id="{C720BEEF-0AF0-A742-B392-3A0C20475011}" type="datetime1">
               <a:rPr lang="en-US" smtClean="0"/>
-              <a:t>2/23/16</a:t>
+              <a:t>2/28/16</a:t>
             </a:fld>
             <a:endParaRPr lang="en-US"/>
           </a:p>
@@ -23012,7 +23012,7 @@
           <a:p>
             <a:fld id="{61707324-C4A6-384E-9730-2F8B40A4BDAB}" type="datetime1">
               <a:rPr lang="en-US" smtClean="0"/>
-              <a:t>2/23/16</a:t>
+              <a:t>2/28/16</a:t>
             </a:fld>
             <a:endParaRPr lang="en-US"/>
           </a:p>
@@ -23290,7 +23290,7 @@
           <a:p>
             <a:fld id="{50419BCB-04CF-1A4C-86F5-8F32FFD4AFE3}" type="datetime1">
               <a:rPr lang="en-US" smtClean="0"/>
-              <a:t>2/23/16</a:t>
+              <a:t>2/28/16</a:t>
             </a:fld>
             <a:endParaRPr lang="en-US"/>
           </a:p>
@@ -24285,7 +24285,7 @@
           <a:p>
             <a:fld id="{7F534E07-01D8-114F-BEC3-25FC15DE3047}" type="datetime1">
               <a:rPr lang="en-US" smtClean="0"/>
-              <a:t>2/23/16</a:t>
+              <a:t>2/28/16</a:t>
             </a:fld>
             <a:endParaRPr lang="en-US"/>
           </a:p>
@@ -24549,7 +24549,7 @@
           <a:p>
             <a:fld id="{84B4C028-2C79-A942-9470-1810116F06A0}" type="datetime1">
               <a:rPr lang="en-US" smtClean="0"/>
-              <a:t>2/23/16</a:t>
+              <a:t>2/28/16</a:t>
             </a:fld>
             <a:endParaRPr lang="en-US"/>
           </a:p>
@@ -24925,7 +24925,7 @@
           <a:p>
             <a:fld id="{849DDAE7-0B58-4548-B2C9-6F6A7DD829E7}" type="datetime1">
               <a:rPr lang="en-US" smtClean="0"/>
-              <a:t>2/23/16</a:t>
+              <a:t>2/28/16</a:t>
             </a:fld>
             <a:endParaRPr lang="en-US"/>
           </a:p>
@@ -25547,7 +25547,7 @@
           <a:p>
             <a:fld id="{A68A321B-C06B-C84C-B0CC-32D36BC39085}" type="datetime1">
               <a:rPr lang="en-US" smtClean="0"/>
-              <a:t>2/23/16</a:t>
+              <a:t>2/28/16</a:t>
             </a:fld>
             <a:endParaRPr lang="en-US"/>
           </a:p>
@@ -25747,7 +25747,7 @@
           <a:p>
             <a:fld id="{5A5DD039-D51D-CE43-B16F-11FEFBBE5DF8}" type="datetime1">
               <a:rPr lang="en-US" smtClean="0"/>
-              <a:t>2/23/16</a:t>
+              <a:t>2/28/16</a:t>
             </a:fld>
             <a:endParaRPr lang="en-US"/>
           </a:p>
@@ -26117,7 +26117,7 @@
           <a:p>
             <a:fld id="{6AFC9BBA-E1D1-0747-98DB-70A662A7A76E}" type="datetime1">
               <a:rPr lang="en-US" smtClean="0"/>
-              <a:t>2/23/16</a:t>
+              <a:t>2/28/16</a:t>
             </a:fld>
             <a:endParaRPr lang="en-US"/>
           </a:p>
@@ -26288,7 +26288,7 @@
           <a:p>
             <a:fld id="{79D66DB0-A6C7-E245-8972-AFE55212BF5C}" type="datetime1">
               <a:rPr lang="en-US" smtClean="0"/>
-              <a:t>2/23/16</a:t>
+              <a:t>2/28/16</a:t>
             </a:fld>
             <a:endParaRPr lang="en-US"/>
           </a:p>
@@ -26695,7 +26695,7 @@
           <a:p>
             <a:fld id="{9A8172FA-DB55-3549-99FD-32724FA5A950}" type="datetime1">
               <a:rPr lang="en-US" smtClean="0"/>
-              <a:t>2/23/16</a:t>
+              <a:t>2/28/16</a:t>
             </a:fld>
             <a:endParaRPr lang="en-US"/>
           </a:p>
@@ -26895,7 +26895,7 @@
           <a:p>
             <a:fld id="{83866865-B03D-B049-9763-8CF63454296E}" type="datetime1">
               <a:rPr lang="en-US" smtClean="0"/>
-              <a:t>2/23/16</a:t>
+              <a:t>2/28/16</a:t>
             </a:fld>
             <a:endParaRPr lang="en-US"/>
           </a:p>
@@ -27004,7 +27004,6 @@
               <a:rPr lang="en-US" sz="3200" dirty="0"/>
               <a:t>Tower of Hanoi (TOH) problem</a:t>
             </a:r>
-            <a:endParaRPr lang="en-US" sz="3200" dirty="0"/>
           </a:p>
         </p:txBody>
       </p:sp>
@@ -27054,7 +27053,7 @@
           <a:p>
             <a:fld id="{83866865-B03D-B049-9763-8CF63454296E}" type="datetime1">
               <a:rPr lang="en-US" smtClean="0"/>
-              <a:t>2/24/16</a:t>
+              <a:t>2/28/16</a:t>
             </a:fld>
             <a:endParaRPr lang="en-US"/>
           </a:p>
@@ -27284,7 +27283,7 @@
           <a:p>
             <a:fld id="{83866865-B03D-B049-9763-8CF63454296E}" type="datetime1">
               <a:rPr lang="en-US" smtClean="0"/>
-              <a:t>2/23/16</a:t>
+              <a:t>2/28/16</a:t>
             </a:fld>
             <a:endParaRPr lang="en-US"/>
           </a:p>
@@ -27524,7 +27523,6 @@
               <a:rPr lang="en-US" sz="1800" dirty="0"/>
               <a:t>;</a:t>
             </a:r>
-            <a:endParaRPr lang="en-US" sz="1800" dirty="0"/>
           </a:p>
           <a:p>
             <a:pPr marL="0" indent="0">
@@ -27648,7 +27646,7 @@
           <a:p>
             <a:fld id="{83866865-B03D-B049-9763-8CF63454296E}" type="datetime1">
               <a:rPr lang="en-US" smtClean="0"/>
-              <a:t>2/24/16</a:t>
+              <a:t>2/28/16</a:t>
             </a:fld>
             <a:endParaRPr lang="en-US"/>
           </a:p>
@@ -27991,6 +27989,10 @@
               <a:t>("Move disk 1 from peg %c to peg %c\n", </a:t>
             </a:r>
             <a:r>
+              <a:rPr lang="en-US" sz="1800" dirty="0" smtClean="0"/>
+              <a:t>	</a:t>
+            </a:r>
+            <a:r>
               <a:rPr lang="en-US" sz="1800" dirty="0" err="1" smtClean="0"/>
               <a:t>frompeg</a:t>
             </a:r>
@@ -28402,9 +28404,6 @@
               </a:rPr>
               <a:t>[Hint: 1 feet = 12 inches, 1 inch=2.54cm and 100cm = 1m]</a:t>
             </a:r>
-            <a:endParaRPr lang="en-US" b="1" dirty="0" smtClean="0">
-              <a:latin typeface="+mj-lt"/>
-            </a:endParaRPr>
           </a:p>
         </p:txBody>
       </p:sp>
@@ -28425,7 +28424,7 @@
           <a:p>
             <a:fld id="{F0A1B31B-522D-CD40-B8CE-3CEB5F12034F}" type="datetime1">
               <a:rPr lang="en-US" smtClean="0"/>
-              <a:t>2/23/16</a:t>
+              <a:t>2/28/16</a:t>
             </a:fld>
             <a:endParaRPr lang="en-US"/>
           </a:p>
@@ -28656,7 +28655,7 @@
           <a:p>
             <a:fld id="{BBE37247-352C-674D-B1C3-0748BF09BE88}" type="datetime1">
               <a:rPr lang="en-US" smtClean="0"/>
-              <a:t>2/23/16</a:t>
+              <a:t>2/28/16</a:t>
             </a:fld>
             <a:endParaRPr lang="en-US"/>
           </a:p>
@@ -28904,7 +28903,7 @@
           <a:p>
             <a:fld id="{A8ADE1AD-C837-DC4B-9D98-9ECED62F76B4}" type="datetime1">
               <a:rPr lang="en-US" smtClean="0"/>
-              <a:t>2/23/16</a:t>
+              <a:t>2/28/16</a:t>
             </a:fld>
             <a:endParaRPr lang="en-US"/>
           </a:p>
@@ -29104,7 +29103,7 @@
           <a:p>
             <a:fld id="{DE81C77A-2A24-6240-A885-DB2A9802BF99}" type="datetime1">
               <a:rPr lang="en-US" smtClean="0"/>
-              <a:t>2/23/16</a:t>
+              <a:t>2/28/16</a:t>
             </a:fld>
             <a:endParaRPr lang="en-US"/>
           </a:p>
@@ -29291,7 +29290,7 @@
           <a:p>
             <a:fld id="{5B469546-DD57-AC41-8468-D8754DBD7866}" type="datetime1">
               <a:rPr lang="en-US" smtClean="0"/>
-              <a:t>2/23/16</a:t>
+              <a:t>2/28/16</a:t>
             </a:fld>
             <a:endParaRPr lang="en-US"/>
           </a:p>
